--- a/ASP.NET Web Forms/05. ASP.NET Data Binding/ASP.NET-Data-Binding-and-Data-Controls.pptx
+++ b/ASP.NET Web Forms/05. ASP.NET Data Binding/ASP.NET-Data-Binding-and-Data-Controls.pptx
@@ -348,7 +348,7 @@
             <a:fld id="{3BF7C7B5-275F-4D1F-9AB4-9255447DBC73}" type="datetimeFigureOut">
               <a:rPr lang="en-US"/>
               <a:pPr/>
-              <a:t>10/1/2014</a:t>
+              <a:t>10/15/2014</a:t>
             </a:fld>
             <a:endParaRPr lang="en-US" dirty="0"/>
           </a:p>
@@ -579,7 +579,7 @@
             <a:fld id="{9B46F231-FB2B-4655-A644-E2477325E686}" type="datetimeFigureOut">
               <a:rPr lang="en-US"/>
               <a:pPr/>
-              <a:t>10/1/2014</a:t>
+              <a:t>10/15/2014</a:t>
             </a:fld>
             <a:endParaRPr lang="en-US" dirty="0"/>
           </a:p>
@@ -23790,7 +23790,24 @@
                 <a:latin typeface="Consolas" pitchFamily="49" charset="0"/>
                 <a:cs typeface="Consolas" pitchFamily="49" charset="0"/>
               </a:rPr>
-              <a:t>    </a:t>
+              <a:t>   </a:t>
+            </a:r>
+            <a:r>
+              <a:rPr lang="en-US" sz="2000" b="1" noProof="1" smtClean="0">
+                <a:solidFill>
+                  <a:srgbClr val="8CF4F2"/>
+                </a:solidFill>
+                <a:effectLst>
+                  <a:outerShdw blurRad="38100" dist="38100" dir="2700000" algn="tl">
+                    <a:srgbClr val="000000">
+                      <a:alpha val="43137"/>
+                    </a:srgbClr>
+                  </a:outerShdw>
+                </a:effectLst>
+                <a:latin typeface="Consolas" pitchFamily="49" charset="0"/>
+                <a:cs typeface="Consolas" pitchFamily="49" charset="0"/>
+              </a:rPr>
+              <a:t>new </a:t>
             </a:r>
             <a:r>
               <a:rPr lang="en-US" sz="2000" b="1" noProof="1">
@@ -23807,7 +23824,7 @@
                 <a:latin typeface="Consolas" pitchFamily="49" charset="0"/>
                 <a:cs typeface="Consolas" pitchFamily="49" charset="0"/>
               </a:rPr>
-              <a:t>new Customer() { FirstName = "Svetlin</a:t>
+              <a:t>Customer() { FirstName = </a:t>
             </a:r>
             <a:r>
               <a:rPr lang="en-US" sz="2000" b="1" noProof="1" smtClean="0">
@@ -23824,8 +23841,22 @@
                 <a:latin typeface="Consolas" pitchFamily="49" charset="0"/>
                 <a:cs typeface="Consolas" pitchFamily="49" charset="0"/>
               </a:rPr>
-              <a:t>",</a:t>
-            </a:r>
+              <a:t>“Nikolay",</a:t>
+            </a:r>
+            <a:endParaRPr lang="en-US" sz="2000" b="1" noProof="1" smtClean="0">
+              <a:solidFill>
+                <a:srgbClr val="8CF4F2"/>
+              </a:solidFill>
+              <a:effectLst>
+                <a:outerShdw blurRad="38100" dist="38100" dir="2700000" algn="tl">
+                  <a:srgbClr val="000000">
+                    <a:alpha val="43137"/>
+                  </a:srgbClr>
+                </a:outerShdw>
+              </a:effectLst>
+              <a:latin typeface="Consolas" pitchFamily="49" charset="0"/>
+              <a:cs typeface="Consolas" pitchFamily="49" charset="0"/>
+            </a:endParaRPr>
           </a:p>
           <a:p>
             <a:pPr eaLnBrk="0" hangingPunct="0">
@@ -23875,7 +23906,24 @@
                 <a:latin typeface="Consolas" pitchFamily="49" charset="0"/>
                 <a:cs typeface="Consolas" pitchFamily="49" charset="0"/>
               </a:rPr>
-              <a:t>     LastName </a:t>
+              <a:t>   </a:t>
+            </a:r>
+            <a:r>
+              <a:rPr lang="en-US" sz="2000" b="1" noProof="1" smtClean="0">
+                <a:solidFill>
+                  <a:srgbClr val="8CF4F2"/>
+                </a:solidFill>
+                <a:effectLst>
+                  <a:outerShdw blurRad="38100" dist="38100" dir="2700000" algn="tl">
+                    <a:srgbClr val="000000">
+                      <a:alpha val="43137"/>
+                    </a:srgbClr>
+                  </a:outerShdw>
+                </a:effectLst>
+                <a:latin typeface="Consolas" pitchFamily="49" charset="0"/>
+                <a:cs typeface="Consolas" pitchFamily="49" charset="0"/>
+              </a:rPr>
+              <a:t>LastName </a:t>
             </a:r>
             <a:r>
               <a:rPr lang="en-US" sz="2000" b="1" noProof="1">
@@ -23892,7 +23940,7 @@
                 <a:latin typeface="Consolas" pitchFamily="49" charset="0"/>
                 <a:cs typeface="Consolas" pitchFamily="49" charset="0"/>
               </a:rPr>
-              <a:t>= "Nakov", </a:t>
+              <a:t>= </a:t>
             </a:r>
             <a:r>
               <a:rPr lang="en-US" sz="2000" b="1" noProof="1" smtClean="0">
@@ -23909,6 +23957,23 @@
                 <a:latin typeface="Consolas" pitchFamily="49" charset="0"/>
                 <a:cs typeface="Consolas" pitchFamily="49" charset="0"/>
               </a:rPr>
+              <a:t>“Kostov", </a:t>
+            </a:r>
+            <a:r>
+              <a:rPr lang="en-US" sz="2000" b="1" noProof="1" smtClean="0">
+                <a:solidFill>
+                  <a:srgbClr val="8CF4F2"/>
+                </a:solidFill>
+                <a:effectLst>
+                  <a:outerShdw blurRad="38100" dist="38100" dir="2700000" algn="tl">
+                    <a:srgbClr val="000000">
+                      <a:alpha val="43137"/>
+                    </a:srgbClr>
+                  </a:outerShdw>
+                </a:effectLst>
+                <a:latin typeface="Consolas" pitchFamily="49" charset="0"/>
+                <a:cs typeface="Consolas" pitchFamily="49" charset="0"/>
+              </a:rPr>
               <a:t>Email </a:t>
             </a:r>
             <a:r>
@@ -23926,7 +23991,7 @@
                 <a:latin typeface="Consolas" pitchFamily="49" charset="0"/>
                 <a:cs typeface="Consolas" pitchFamily="49" charset="0"/>
               </a:rPr>
-              <a:t>= "svetlin@nakov.com</a:t>
+              <a:t>= </a:t>
             </a:r>
             <a:r>
               <a:rPr lang="en-US" sz="2000" b="1" noProof="1" smtClean="0">
@@ -23943,8 +24008,22 @@
                 <a:latin typeface="Consolas" pitchFamily="49" charset="0"/>
                 <a:cs typeface="Consolas" pitchFamily="49" charset="0"/>
               </a:rPr>
-              <a:t>",</a:t>
-            </a:r>
+              <a:t>“Nikolay@Kostov.com",</a:t>
+            </a:r>
+            <a:endParaRPr lang="en-US" sz="2000" b="1" noProof="1" smtClean="0">
+              <a:solidFill>
+                <a:srgbClr val="8CF4F2"/>
+              </a:solidFill>
+              <a:effectLst>
+                <a:outerShdw blurRad="38100" dist="38100" dir="2700000" algn="tl">
+                  <a:srgbClr val="000000">
+                    <a:alpha val="43137"/>
+                  </a:srgbClr>
+                </a:outerShdw>
+              </a:effectLst>
+              <a:latin typeface="Consolas" pitchFamily="49" charset="0"/>
+              <a:cs typeface="Consolas" pitchFamily="49" charset="0"/>
+            </a:endParaRPr>
           </a:p>
           <a:p>
             <a:pPr eaLnBrk="0" hangingPunct="0">
@@ -24045,7 +24124,24 @@
                 <a:latin typeface="Consolas" pitchFamily="49" charset="0"/>
                 <a:cs typeface="Consolas" pitchFamily="49" charset="0"/>
               </a:rPr>
-              <a:t>    </a:t>
+              <a:t>   </a:t>
+            </a:r>
+            <a:r>
+              <a:rPr lang="en-US" sz="2000" b="1" noProof="1" smtClean="0">
+                <a:solidFill>
+                  <a:srgbClr val="8CF4F2"/>
+                </a:solidFill>
+                <a:effectLst>
+                  <a:outerShdw blurRad="38100" dist="38100" dir="2700000" algn="tl">
+                    <a:srgbClr val="000000">
+                      <a:alpha val="43137"/>
+                    </a:srgbClr>
+                  </a:outerShdw>
+                </a:effectLst>
+                <a:latin typeface="Consolas" pitchFamily="49" charset="0"/>
+                <a:cs typeface="Consolas" pitchFamily="49" charset="0"/>
+              </a:rPr>
+              <a:t>new </a:t>
             </a:r>
             <a:r>
               <a:rPr lang="en-US" sz="2000" b="1" noProof="1">
@@ -24062,7 +24158,7 @@
                 <a:latin typeface="Consolas" pitchFamily="49" charset="0"/>
                 <a:cs typeface="Consolas" pitchFamily="49" charset="0"/>
               </a:rPr>
-              <a:t>new Customer() { FirstName = "Bai", </a:t>
+              <a:t>Customer() { FirstName = "Bai", </a:t>
             </a:r>
             <a:endParaRPr lang="en-US" sz="2000" b="1" noProof="1" smtClean="0">
               <a:solidFill>
@@ -24127,7 +24223,24 @@
                 <a:latin typeface="Consolas" pitchFamily="49" charset="0"/>
                 <a:cs typeface="Consolas" pitchFamily="49" charset="0"/>
               </a:rPr>
-              <a:t>     LastName </a:t>
+              <a:t>   </a:t>
+            </a:r>
+            <a:r>
+              <a:rPr lang="en-US" sz="2000" b="1" noProof="1" smtClean="0">
+                <a:solidFill>
+                  <a:srgbClr val="8CF4F2"/>
+                </a:solidFill>
+                <a:effectLst>
+                  <a:outerShdw blurRad="38100" dist="38100" dir="2700000" algn="tl">
+                    <a:srgbClr val="000000">
+                      <a:alpha val="43137"/>
+                    </a:srgbClr>
+                  </a:outerShdw>
+                </a:effectLst>
+                <a:latin typeface="Consolas" pitchFamily="49" charset="0"/>
+                <a:cs typeface="Consolas" pitchFamily="49" charset="0"/>
+              </a:rPr>
+              <a:t>LastName </a:t>
             </a:r>
             <a:r>
               <a:rPr lang="en-US" sz="2000" b="1" noProof="1">
@@ -24144,7 +24257,58 @@
                 <a:latin typeface="Consolas" pitchFamily="49" charset="0"/>
                 <a:cs typeface="Consolas" pitchFamily="49" charset="0"/>
               </a:rPr>
-              <a:t>= "Ivan", Email = "bai.ivan@gmail.com</a:t>
+              <a:t>= </a:t>
+            </a:r>
+            <a:r>
+              <a:rPr lang="en-US" sz="2000" b="1" noProof="1" smtClean="0">
+                <a:solidFill>
+                  <a:srgbClr val="8CF4F2"/>
+                </a:solidFill>
+                <a:effectLst>
+                  <a:outerShdw blurRad="38100" dist="38100" dir="2700000" algn="tl">
+                    <a:srgbClr val="000000">
+                      <a:alpha val="43137"/>
+                    </a:srgbClr>
+                  </a:outerShdw>
+                </a:effectLst>
+                <a:latin typeface="Consolas" pitchFamily="49" charset="0"/>
+                <a:cs typeface="Consolas" pitchFamily="49" charset="0"/>
+              </a:rPr>
+              <a:t>“Kenov", </a:t>
+            </a:r>
+            <a:r>
+              <a:rPr lang="en-US" sz="2000" b="1" noProof="1">
+                <a:solidFill>
+                  <a:srgbClr val="8CF4F2"/>
+                </a:solidFill>
+                <a:effectLst>
+                  <a:outerShdw blurRad="38100" dist="38100" dir="2700000" algn="tl">
+                    <a:srgbClr val="000000">
+                      <a:alpha val="43137"/>
+                    </a:srgbClr>
+                  </a:outerShdw>
+                </a:effectLst>
+                <a:latin typeface="Consolas" pitchFamily="49" charset="0"/>
+                <a:cs typeface="Consolas" pitchFamily="49" charset="0"/>
+              </a:rPr>
+              <a:t>Email = "</a:t>
+            </a:r>
+            <a:r>
+              <a:rPr lang="en-US" sz="2000" b="1" noProof="1" smtClean="0">
+                <a:solidFill>
+                  <a:srgbClr val="8CF4F2"/>
+                </a:solidFill>
+                <a:effectLst>
+                  <a:outerShdw blurRad="38100" dist="38100" dir="2700000" algn="tl">
+                    <a:srgbClr val="000000">
+                      <a:alpha val="43137"/>
+                    </a:srgbClr>
+                  </a:outerShdw>
+                </a:effectLst>
+                <a:latin typeface="Consolas" pitchFamily="49" charset="0"/>
+                <a:cs typeface="Consolas" pitchFamily="49" charset="0"/>
+              </a:rPr>
+              <a:t>bai.Kenov@gmail.com</a:t>
             </a:r>
             <a:r>
               <a:rPr lang="en-US" sz="2000" b="1" noProof="1" smtClean="0">
@@ -40332,11 +40496,7 @@
             </a:pPr>
             <a:r>
               <a:rPr lang="en-US" sz="2800" noProof="1" smtClean="0"/>
-              <a:t>* Create </a:t>
-            </a:r>
-            <a:r>
-              <a:rPr lang="en-US" sz="2800" noProof="1" smtClean="0"/>
-              <a:t>a Web Form that reads arbitrary XML document and displays it as tree. Use the </a:t>
+              <a:t>* Create a Web Form that reads arbitrary XML document and displays it as tree. Use the </a:t>
             </a:r>
             <a:r>
               <a:rPr lang="en-US" sz="2800" noProof="1" smtClean="0">
